--- a/sql introduction .pptx
+++ b/sql introduction .pptx
@@ -16,6 +16,8 @@
     <p:sldId id="263" r:id="rId10"/>
     <p:sldId id="266" r:id="rId11"/>
     <p:sldId id="267" r:id="rId12"/>
+    <p:sldId id="268" r:id="rId13"/>
+    <p:sldId id="269" r:id="rId14"/>
   </p:sldIdLst>
   <p:sldSz cx="9144000" cy="6858000" type="screen4x3"/>
   <p:notesSz cx="9144000" cy="6858000"/>
@@ -346,7 +348,7 @@
           <a:p>
             <a:fld id="{1D8BD707-D9CF-40AE-B4C6-C98DA3205C09}" type="datetimeFigureOut">
               <a:rPr lang="en-US"/>
-              <a:t>12/27/2023</a:t>
+              <a:t>1/5/2024</a:t>
             </a:fld>
             <a:endParaRPr lang="en-US"/>
           </a:p>
@@ -523,7 +525,7 @@
           <a:p>
             <a:fld id="{1D8BD707-D9CF-40AE-B4C6-C98DA3205C09}" type="datetimeFigureOut">
               <a:rPr lang="en-US"/>
-              <a:t>12/27/2023</a:t>
+              <a:t>1/5/2024</a:t>
             </a:fld>
             <a:endParaRPr lang="en-US"/>
           </a:p>
@@ -737,7 +739,7 @@
           <a:p>
             <a:fld id="{1D8BD707-D9CF-40AE-B4C6-C98DA3205C09}" type="datetimeFigureOut">
               <a:rPr lang="en-US"/>
-              <a:t>12/27/2023</a:t>
+              <a:t>1/5/2024</a:t>
             </a:fld>
             <a:endParaRPr lang="en-US"/>
           </a:p>
@@ -885,7 +887,7 @@
           <a:p>
             <a:fld id="{1D8BD707-D9CF-40AE-B4C6-C98DA3205C09}" type="datetimeFigureOut">
               <a:rPr lang="en-US"/>
-              <a:t>12/27/2023</a:t>
+              <a:t>1/5/2024</a:t>
             </a:fld>
             <a:endParaRPr lang="en-US"/>
           </a:p>
@@ -1004,7 +1006,7 @@
           <a:p>
             <a:fld id="{1D8BD707-D9CF-40AE-B4C6-C98DA3205C09}" type="datetimeFigureOut">
               <a:rPr lang="en-US"/>
-              <a:t>12/27/2023</a:t>
+              <a:t>1/5/2024</a:t>
             </a:fld>
             <a:endParaRPr lang="en-US"/>
           </a:p>
@@ -1413,7 +1415,7 @@
           <a:p>
             <a:fld id="{1D8BD707-D9CF-40AE-B4C6-C98DA3205C09}" type="datetimeFigureOut">
               <a:rPr lang="en-US"/>
-              <a:t>12/27/2023</a:t>
+              <a:t>1/5/2024</a:t>
             </a:fld>
             <a:endParaRPr lang="en-US"/>
           </a:p>
@@ -2119,11 +2121,7 @@
             </a:pPr>
             <a:r>
               <a:rPr lang="en-US" b="1" dirty="0" smtClean="0"/>
-              <a:t>How (</a:t>
-            </a:r>
-            <a:r>
-              <a:rPr lang="en-US" b="1" dirty="0" smtClean="0"/>
-              <a:t>DBMS) works</a:t>
+              <a:t>How (DBMS) works</a:t>
             </a:r>
             <a:endParaRPr spc="-35" dirty="0"/>
           </a:p>
@@ -2333,6 +2331,619 @@
     <p:extLst>
       <p:ext uri="{BB962C8B-B14F-4D97-AF65-F5344CB8AC3E}">
         <p14:creationId xmlns:p14="http://schemas.microsoft.com/office/powerpoint/2010/main" val="195671047"/>
+      </p:ext>
+    </p:extLst>
+  </p:cSld>
+  <p:clrMapOvr>
+    <a:masterClrMapping/>
+  </p:clrMapOvr>
+  <p:timing>
+    <p:tnLst>
+      <p:par>
+        <p:cTn id="1" dur="indefinite" restart="never" nodeType="tmRoot"/>
+      </p:par>
+    </p:tnLst>
+  </p:timing>
+</p:sld>
+</file>
+
+<file path=ppt/slides/slide12.xml><?xml version="1.0" encoding="utf-8"?>
+<p:sld xmlns:a="http://schemas.openxmlformats.org/drawingml/2006/main" xmlns:r="http://schemas.openxmlformats.org/officeDocument/2006/relationships" xmlns:p="http://schemas.openxmlformats.org/presentationml/2006/main">
+  <p:cSld>
+    <p:spTree>
+      <p:nvGrpSpPr>
+        <p:cNvPr id="1" name=""/>
+        <p:cNvGrpSpPr/>
+        <p:nvPr/>
+      </p:nvGrpSpPr>
+      <p:grpSpPr>
+        <a:xfrm>
+          <a:off x="0" y="0"/>
+          <a:ext cx="0" cy="0"/>
+          <a:chOff x="0" y="0"/>
+          <a:chExt cx="0" cy="0"/>
+        </a:xfrm>
+      </p:grpSpPr>
+      <p:sp>
+        <p:nvSpPr>
+          <p:cNvPr id="2" name="object 2"/>
+          <p:cNvSpPr txBox="1">
+            <a:spLocks noGrp="1"/>
+          </p:cNvSpPr>
+          <p:nvPr>
+            <p:ph type="title"/>
+          </p:nvPr>
+        </p:nvSpPr>
+        <p:spPr>
+          <a:xfrm>
+            <a:off x="381000" y="338073"/>
+            <a:ext cx="8153400" cy="627736"/>
+          </a:xfrm>
+          <a:prstGeom prst="rect">
+            <a:avLst/>
+          </a:prstGeom>
+        </p:spPr>
+        <p:txBody>
+          <a:bodyPr vert="horz" wrap="square" lIns="0" tIns="12065" rIns="0" bIns="0" rtlCol="0">
+            <a:spAutoFit/>
+          </a:bodyPr>
+          <a:lstStyle/>
+          <a:p>
+            <a:pPr marL="12700" algn="ctr">
+              <a:lnSpc>
+                <a:spcPct val="100000"/>
+              </a:lnSpc>
+              <a:spcBef>
+                <a:spcPts val="95"/>
+              </a:spcBef>
+            </a:pPr>
+            <a:r>
+              <a:rPr lang="en-US" b="1" dirty="0" smtClean="0"/>
+              <a:t>Key data types</a:t>
+            </a:r>
+            <a:endParaRPr spc="-35" dirty="0"/>
+          </a:p>
+        </p:txBody>
+      </p:sp>
+      <p:sp>
+        <p:nvSpPr>
+          <p:cNvPr id="3" name="object 3"/>
+          <p:cNvSpPr txBox="1"/>
+          <p:nvPr/>
+        </p:nvSpPr>
+        <p:spPr>
+          <a:xfrm>
+            <a:off x="535940" y="1612945"/>
+            <a:ext cx="7288530" cy="3985706"/>
+          </a:xfrm>
+          <a:prstGeom prst="rect">
+            <a:avLst/>
+          </a:prstGeom>
+        </p:spPr>
+        <p:txBody>
+          <a:bodyPr vert="horz" wrap="square" lIns="0" tIns="88900" rIns="0" bIns="0" rtlCol="0">
+            <a:spAutoFit/>
+          </a:bodyPr>
+          <a:lstStyle/>
+          <a:p>
+            <a:pPr marL="287020" indent="-274320">
+              <a:lnSpc>
+                <a:spcPct val="100000"/>
+              </a:lnSpc>
+              <a:spcBef>
+                <a:spcPts val="700"/>
+              </a:spcBef>
+              <a:buClr>
+                <a:srgbClr val="D24717"/>
+              </a:buClr>
+              <a:buSzPct val="84615"/>
+              <a:buFont typeface="Segoe UI Symbol"/>
+              <a:buChar char="⚫"/>
+              <a:tabLst>
+                <a:tab pos="287020" algn="l"/>
+              </a:tabLst>
+            </a:pPr>
+            <a:r>
+              <a:rPr lang="en-IN" sz="2800" b="1" dirty="0" smtClean="0"/>
+              <a:t>Text Types</a:t>
+            </a:r>
+          </a:p>
+          <a:p>
+            <a:pPr marL="927100" lvl="1" indent="-457200">
+              <a:spcBef>
+                <a:spcPts val="700"/>
+              </a:spcBef>
+              <a:buClr>
+                <a:srgbClr val="D24717"/>
+              </a:buClr>
+              <a:buSzPct val="84615"/>
+              <a:buFont typeface="Arial" pitchFamily="34" charset="0"/>
+              <a:buChar char="•"/>
+              <a:tabLst>
+                <a:tab pos="287020" algn="l"/>
+              </a:tabLst>
+            </a:pPr>
+            <a:r>
+              <a:rPr lang="en-US" sz="2800" i="1" dirty="0" smtClean="0"/>
+              <a:t>CHAR(n</a:t>
+            </a:r>
+            <a:r>
+              <a:rPr lang="en-US" sz="2800" i="1" dirty="0"/>
+              <a:t>): </a:t>
+            </a:r>
+            <a:r>
+              <a:rPr lang="en-US" sz="2800" dirty="0"/>
+              <a:t>"Fixed-length character string</a:t>
+            </a:r>
+            <a:r>
+              <a:rPr lang="en-US" sz="2800" dirty="0" smtClean="0"/>
+              <a:t>.“</a:t>
+            </a:r>
+          </a:p>
+          <a:p>
+            <a:pPr marL="927100" lvl="1" indent="-457200">
+              <a:spcBef>
+                <a:spcPts val="700"/>
+              </a:spcBef>
+              <a:buClr>
+                <a:srgbClr val="D24717"/>
+              </a:buClr>
+              <a:buSzPct val="84615"/>
+              <a:buFont typeface="Arial" pitchFamily="34" charset="0"/>
+              <a:buChar char="•"/>
+              <a:tabLst>
+                <a:tab pos="287020" algn="l"/>
+              </a:tabLst>
+            </a:pPr>
+            <a:r>
+              <a:rPr lang="en-US" sz="2800" i="1" dirty="0" smtClean="0"/>
+              <a:t>VARCHAR(n</a:t>
+            </a:r>
+            <a:r>
+              <a:rPr lang="en-US" sz="2800" i="1" dirty="0"/>
+              <a:t>): </a:t>
+            </a:r>
+            <a:r>
+              <a:rPr lang="en-US" sz="2800" dirty="0"/>
+              <a:t>"Variable-length character string with a maximum length</a:t>
+            </a:r>
+            <a:r>
+              <a:rPr lang="en-US" sz="2800" dirty="0" smtClean="0"/>
+              <a:t>.“</a:t>
+            </a:r>
+          </a:p>
+          <a:p>
+            <a:pPr marL="927100" lvl="1" indent="-457200">
+              <a:spcBef>
+                <a:spcPts val="700"/>
+              </a:spcBef>
+              <a:buClr>
+                <a:srgbClr val="D24717"/>
+              </a:buClr>
+              <a:buSzPct val="84615"/>
+              <a:buFont typeface="Arial" pitchFamily="34" charset="0"/>
+              <a:buChar char="•"/>
+              <a:tabLst>
+                <a:tab pos="287020" algn="l"/>
+              </a:tabLst>
+            </a:pPr>
+            <a:r>
+              <a:rPr lang="en-US" sz="2800" i="1" dirty="0" smtClean="0"/>
+              <a:t>TEXT,LONGTEXT: </a:t>
+            </a:r>
+            <a:r>
+              <a:rPr lang="en-US" sz="2800" dirty="0" smtClean="0"/>
+              <a:t>text of any size with out maximum length</a:t>
+            </a:r>
+          </a:p>
+          <a:p>
+            <a:pPr marL="927100" lvl="1" indent="-457200">
+              <a:spcBef>
+                <a:spcPts val="700"/>
+              </a:spcBef>
+              <a:buClr>
+                <a:srgbClr val="D24717"/>
+              </a:buClr>
+              <a:buSzPct val="84615"/>
+              <a:buFont typeface="Arial" pitchFamily="34" charset="0"/>
+              <a:buChar char="•"/>
+              <a:tabLst>
+                <a:tab pos="287020" algn="l"/>
+              </a:tabLst>
+            </a:pPr>
+            <a:r>
+              <a:rPr lang="en-US" sz="2800" i="1" dirty="0"/>
+              <a:t>ENUM</a:t>
+            </a:r>
+            <a:r>
+              <a:rPr lang="en-US" sz="2800" dirty="0"/>
+              <a:t>: only </a:t>
+            </a:r>
+            <a:r>
+              <a:rPr lang="en-US" sz="2800" dirty="0" smtClean="0"/>
+              <a:t>predefined </a:t>
+            </a:r>
+            <a:r>
+              <a:rPr lang="en-US" sz="2800" dirty="0"/>
+              <a:t>set of values</a:t>
+            </a:r>
+            <a:endParaRPr lang="en-IN" sz="2800" dirty="0"/>
+          </a:p>
+          <a:p>
+            <a:pPr marL="927100" lvl="1" indent="-457200">
+              <a:spcBef>
+                <a:spcPts val="700"/>
+              </a:spcBef>
+              <a:buClr>
+                <a:srgbClr val="D24717"/>
+              </a:buClr>
+              <a:buSzPct val="84615"/>
+              <a:buFont typeface="Arial" pitchFamily="34" charset="0"/>
+              <a:buChar char="•"/>
+              <a:tabLst>
+                <a:tab pos="287020" algn="l"/>
+              </a:tabLst>
+            </a:pPr>
+            <a:endParaRPr lang="en-IN" sz="2800" dirty="0" smtClean="0"/>
+          </a:p>
+        </p:txBody>
+      </p:sp>
+    </p:spTree>
+    <p:extLst>
+      <p:ext uri="{BB962C8B-B14F-4D97-AF65-F5344CB8AC3E}">
+        <p14:creationId xmlns:p14="http://schemas.microsoft.com/office/powerpoint/2010/main" val="3966353124"/>
+      </p:ext>
+    </p:extLst>
+  </p:cSld>
+  <p:clrMapOvr>
+    <a:masterClrMapping/>
+  </p:clrMapOvr>
+  <p:timing>
+    <p:tnLst>
+      <p:par>
+        <p:cTn id="1" dur="indefinite" restart="never" nodeType="tmRoot"/>
+      </p:par>
+    </p:tnLst>
+  </p:timing>
+</p:sld>
+</file>
+
+<file path=ppt/slides/slide13.xml><?xml version="1.0" encoding="utf-8"?>
+<p:sld xmlns:a="http://schemas.openxmlformats.org/drawingml/2006/main" xmlns:r="http://schemas.openxmlformats.org/officeDocument/2006/relationships" xmlns:p="http://schemas.openxmlformats.org/presentationml/2006/main">
+  <p:cSld>
+    <p:spTree>
+      <p:nvGrpSpPr>
+        <p:cNvPr id="1" name=""/>
+        <p:cNvGrpSpPr/>
+        <p:nvPr/>
+      </p:nvGrpSpPr>
+      <p:grpSpPr>
+        <a:xfrm>
+          <a:off x="0" y="0"/>
+          <a:ext cx="0" cy="0"/>
+          <a:chOff x="0" y="0"/>
+          <a:chExt cx="0" cy="0"/>
+        </a:xfrm>
+      </p:grpSpPr>
+      <p:sp>
+        <p:nvSpPr>
+          <p:cNvPr id="2" name="object 2"/>
+          <p:cNvSpPr txBox="1">
+            <a:spLocks noGrp="1"/>
+          </p:cNvSpPr>
+          <p:nvPr>
+            <p:ph type="title"/>
+          </p:nvPr>
+        </p:nvSpPr>
+        <p:spPr>
+          <a:xfrm>
+            <a:off x="381000" y="338073"/>
+            <a:ext cx="8153400" cy="627736"/>
+          </a:xfrm>
+          <a:prstGeom prst="rect">
+            <a:avLst/>
+          </a:prstGeom>
+        </p:spPr>
+        <p:txBody>
+          <a:bodyPr vert="horz" wrap="square" lIns="0" tIns="12065" rIns="0" bIns="0" rtlCol="0">
+            <a:spAutoFit/>
+          </a:bodyPr>
+          <a:lstStyle/>
+          <a:p>
+            <a:pPr marL="12700" algn="ctr">
+              <a:lnSpc>
+                <a:spcPct val="100000"/>
+              </a:lnSpc>
+              <a:spcBef>
+                <a:spcPts val="95"/>
+              </a:spcBef>
+            </a:pPr>
+            <a:r>
+              <a:rPr lang="en-US" b="1" smtClean="0"/>
+              <a:t>Key </a:t>
+            </a:r>
+            <a:r>
+              <a:rPr lang="en-US" b="1" smtClean="0"/>
+              <a:t>Data </a:t>
+            </a:r>
+            <a:r>
+              <a:rPr lang="en-US" b="1" dirty="0" smtClean="0"/>
+              <a:t>types…</a:t>
+            </a:r>
+            <a:endParaRPr spc="-35" dirty="0"/>
+          </a:p>
+        </p:txBody>
+      </p:sp>
+      <p:sp>
+        <p:nvSpPr>
+          <p:cNvPr id="3" name="object 3"/>
+          <p:cNvSpPr txBox="1"/>
+          <p:nvPr/>
+        </p:nvSpPr>
+        <p:spPr>
+          <a:xfrm>
+            <a:off x="535940" y="1299188"/>
+            <a:ext cx="7288530" cy="5329664"/>
+          </a:xfrm>
+          <a:prstGeom prst="rect">
+            <a:avLst/>
+          </a:prstGeom>
+        </p:spPr>
+        <p:txBody>
+          <a:bodyPr vert="horz" wrap="square" lIns="0" tIns="88900" rIns="0" bIns="0" rtlCol="0">
+            <a:spAutoFit/>
+          </a:bodyPr>
+          <a:lstStyle/>
+          <a:p>
+            <a:pPr marL="287020" indent="-274320">
+              <a:lnSpc>
+                <a:spcPct val="100000"/>
+              </a:lnSpc>
+              <a:spcBef>
+                <a:spcPts val="700"/>
+              </a:spcBef>
+              <a:buClr>
+                <a:srgbClr val="D24717"/>
+              </a:buClr>
+              <a:buSzPct val="84615"/>
+              <a:buFont typeface="Segoe UI Symbol"/>
+              <a:buChar char="⚫"/>
+              <a:tabLst>
+                <a:tab pos="287020" algn="l"/>
+              </a:tabLst>
+            </a:pPr>
+            <a:r>
+              <a:rPr lang="en-IN" sz="2400" b="1" dirty="0" smtClean="0"/>
+              <a:t>Numeric Types</a:t>
+            </a:r>
+          </a:p>
+          <a:p>
+            <a:pPr marL="927100" lvl="1" indent="-457200">
+              <a:spcBef>
+                <a:spcPts val="700"/>
+              </a:spcBef>
+              <a:buClr>
+                <a:srgbClr val="D24717"/>
+              </a:buClr>
+              <a:buSzPct val="84615"/>
+              <a:buFont typeface="Arial" pitchFamily="34" charset="0"/>
+              <a:buChar char="•"/>
+              <a:tabLst>
+                <a:tab pos="287020" algn="l"/>
+              </a:tabLst>
+            </a:pPr>
+            <a:r>
+              <a:rPr lang="en-US" sz="2400" i="1" dirty="0"/>
+              <a:t>INT/INTEGER</a:t>
+            </a:r>
+            <a:r>
+              <a:rPr lang="en-US" sz="2400" dirty="0"/>
+              <a:t>: "Used for whole numbers.“</a:t>
+            </a:r>
+          </a:p>
+          <a:p>
+            <a:pPr marL="927100" lvl="1" indent="-457200">
+              <a:spcBef>
+                <a:spcPts val="700"/>
+              </a:spcBef>
+              <a:buClr>
+                <a:srgbClr val="D24717"/>
+              </a:buClr>
+              <a:buSzPct val="84615"/>
+              <a:buFont typeface="Arial" pitchFamily="34" charset="0"/>
+              <a:buChar char="•"/>
+              <a:tabLst>
+                <a:tab pos="287020" algn="l"/>
+              </a:tabLst>
+            </a:pPr>
+            <a:r>
+              <a:rPr lang="en-US" sz="2400" i="1" dirty="0"/>
+              <a:t>FLOAT/REAL: </a:t>
+            </a:r>
+            <a:r>
+              <a:rPr lang="en-US" sz="2400" dirty="0"/>
+              <a:t>"For numbers with a decimal point</a:t>
+            </a:r>
+            <a:r>
+              <a:rPr lang="en-US" sz="2400" dirty="0" smtClean="0"/>
+              <a:t>.“</a:t>
+            </a:r>
+          </a:p>
+          <a:p>
+            <a:pPr marL="927100" lvl="1" indent="-457200">
+              <a:spcBef>
+                <a:spcPts val="700"/>
+              </a:spcBef>
+              <a:buClr>
+                <a:srgbClr val="D24717"/>
+              </a:buClr>
+              <a:buSzPct val="84615"/>
+              <a:buFont typeface="Arial" pitchFamily="34" charset="0"/>
+              <a:buChar char="•"/>
+              <a:tabLst>
+                <a:tab pos="287020" algn="l"/>
+              </a:tabLst>
+            </a:pPr>
+            <a:r>
+              <a:rPr lang="en-US" sz="2400" i="1" dirty="0" smtClean="0"/>
+              <a:t>DECIMAL/NUMERIC: </a:t>
+            </a:r>
+            <a:r>
+              <a:rPr lang="en-US" sz="2400" dirty="0" smtClean="0"/>
+              <a:t>exact decimal point numbers</a:t>
+            </a:r>
+            <a:endParaRPr lang="en-US" sz="2400" dirty="0"/>
+          </a:p>
+          <a:p>
+            <a:pPr marL="287020" indent="-274320">
+              <a:lnSpc>
+                <a:spcPct val="100000"/>
+              </a:lnSpc>
+              <a:spcBef>
+                <a:spcPts val="700"/>
+              </a:spcBef>
+              <a:buClr>
+                <a:srgbClr val="D24717"/>
+              </a:buClr>
+              <a:buSzPct val="84615"/>
+              <a:buFont typeface="Segoe UI Symbol"/>
+              <a:buChar char="⚫"/>
+              <a:tabLst>
+                <a:tab pos="287020" algn="l"/>
+              </a:tabLst>
+            </a:pPr>
+            <a:r>
+              <a:rPr lang="en-US" sz="2400" b="1" dirty="0" smtClean="0"/>
+              <a:t>Date &amp; Time Types</a:t>
+            </a:r>
+          </a:p>
+          <a:p>
+            <a:pPr marL="927100" lvl="1" indent="-457200">
+              <a:spcBef>
+                <a:spcPts val="700"/>
+              </a:spcBef>
+              <a:buClr>
+                <a:srgbClr val="D24717"/>
+              </a:buClr>
+              <a:buSzPct val="84615"/>
+              <a:buFont typeface="Arial" pitchFamily="34" charset="0"/>
+              <a:buChar char="•"/>
+              <a:tabLst>
+                <a:tab pos="287020" algn="l"/>
+              </a:tabLst>
+            </a:pPr>
+            <a:r>
+              <a:rPr lang="en-US" sz="2400" i="1" dirty="0"/>
+              <a:t>DATE: </a:t>
+            </a:r>
+            <a:r>
+              <a:rPr lang="en-US" sz="2400" dirty="0"/>
+              <a:t>"Stores date values.“</a:t>
+            </a:r>
+          </a:p>
+          <a:p>
+            <a:pPr marL="927100" lvl="1" indent="-457200">
+              <a:spcBef>
+                <a:spcPts val="700"/>
+              </a:spcBef>
+              <a:buClr>
+                <a:srgbClr val="D24717"/>
+              </a:buClr>
+              <a:buSzPct val="84615"/>
+              <a:buFont typeface="Arial" pitchFamily="34" charset="0"/>
+              <a:buChar char="•"/>
+              <a:tabLst>
+                <a:tab pos="287020" algn="l"/>
+              </a:tabLst>
+            </a:pPr>
+            <a:r>
+              <a:rPr lang="en-US" sz="2400" dirty="0"/>
+              <a:t>TIME: "Stores time values.“</a:t>
+            </a:r>
+          </a:p>
+          <a:p>
+            <a:pPr marL="927100" lvl="1" indent="-457200">
+              <a:spcBef>
+                <a:spcPts val="700"/>
+              </a:spcBef>
+              <a:buClr>
+                <a:srgbClr val="D24717"/>
+              </a:buClr>
+              <a:buSzPct val="84615"/>
+              <a:buFont typeface="Arial" pitchFamily="34" charset="0"/>
+              <a:buChar char="•"/>
+              <a:tabLst>
+                <a:tab pos="287020" algn="l"/>
+              </a:tabLst>
+            </a:pPr>
+            <a:r>
+              <a:rPr lang="en-US" sz="2400" i="1" dirty="0"/>
+              <a:t>DATETIME/TIMESTAMP: </a:t>
+            </a:r>
+            <a:r>
+              <a:rPr lang="en-US" sz="2400" dirty="0"/>
+              <a:t>"Combination of date and time</a:t>
+            </a:r>
+            <a:r>
+              <a:rPr lang="en-US" sz="2400" dirty="0" smtClean="0"/>
+              <a:t>.“</a:t>
+            </a:r>
+            <a:endParaRPr lang="en-US" sz="2400" b="1" dirty="0" smtClean="0"/>
+          </a:p>
+          <a:p>
+            <a:pPr marL="287020" indent="-274320">
+              <a:lnSpc>
+                <a:spcPct val="100000"/>
+              </a:lnSpc>
+              <a:spcBef>
+                <a:spcPts val="700"/>
+              </a:spcBef>
+              <a:buClr>
+                <a:srgbClr val="D24717"/>
+              </a:buClr>
+              <a:buSzPct val="84615"/>
+              <a:buFont typeface="Segoe UI Symbol"/>
+              <a:buChar char="⚫"/>
+              <a:tabLst>
+                <a:tab pos="287020" algn="l"/>
+              </a:tabLst>
+            </a:pPr>
+            <a:r>
+              <a:rPr lang="en-US" sz="2400" b="1" dirty="0" smtClean="0"/>
+              <a:t>Boolean Type</a:t>
+            </a:r>
+          </a:p>
+          <a:p>
+            <a:pPr marL="927100" lvl="1" indent="-457200">
+              <a:spcBef>
+                <a:spcPts val="700"/>
+              </a:spcBef>
+              <a:buClr>
+                <a:srgbClr val="D24717"/>
+              </a:buClr>
+              <a:buSzPct val="84615"/>
+              <a:buFont typeface="Arial" pitchFamily="34" charset="0"/>
+              <a:buChar char="•"/>
+              <a:tabLst>
+                <a:tab pos="287020" algn="l"/>
+              </a:tabLst>
+            </a:pPr>
+            <a:r>
+              <a:rPr lang="en-US" sz="2400" dirty="0"/>
+              <a:t>BOOLEAN/BOOL: "Represents true or false </a:t>
+            </a:r>
+            <a:r>
+              <a:rPr lang="en-US" sz="2400" dirty="0" smtClean="0"/>
+              <a:t>values (1 or 0 )."</a:t>
+            </a:r>
+            <a:endParaRPr lang="en-IN" sz="2400" b="1" dirty="0" smtClean="0"/>
+          </a:p>
+        </p:txBody>
+      </p:sp>
+    </p:spTree>
+    <p:extLst>
+      <p:ext uri="{BB962C8B-B14F-4D97-AF65-F5344CB8AC3E}">
+        <p14:creationId xmlns:p14="http://schemas.microsoft.com/office/powerpoint/2010/main" val="2816907031"/>
       </p:ext>
     </p:extLst>
   </p:cSld>
